--- a/2025-Q3/Devotionals/2024-09-03-KnowingGod.pptx
+++ b/2025-Q3/Devotionals/2024-09-03-KnowingGod.pptx
@@ -286,7 +286,7 @@
               <a:pPr>
                 <a:defRPr/>
               </a:pPr>
-              <a:t>9/1/2025</a:t>
+              <a:t>9/3/2025</a:t>
             </a:fld>
             <a:endParaRPr lang="en-US"/>
           </a:p>
@@ -894,7 +894,7 @@
         <p:spPr/>
         <p:txBody>
           <a:bodyPr>
-            <a:normAutofit fontScale="40000" lnSpcReduction="20000"/>
+            <a:normAutofit fontScale="32500" lnSpcReduction="20000"/>
           </a:bodyPr>
           <a:lstStyle/>
           <a:p>
@@ -954,42 +954,6 @@
               <a:t> Faith in God’s Grace and Mercy)</a:t>
             </a:r>
             <a:endParaRPr lang="en-US" sz="1400" dirty="0"/>
-          </a:p>
-          <a:p>
-            <a:pPr marL="228522" indent="-228522">
-              <a:buAutoNum type="arabicPeriod"/>
-            </a:pPr>
-            <a:r>
-              <a:rPr lang="en-US" sz="1400" dirty="0"/>
-              <a:t>Situation</a:t>
-            </a:r>
-          </a:p>
-          <a:p>
-            <a:pPr marL="228522" indent="-228522">
-              <a:buAutoNum type="arabicPeriod"/>
-            </a:pPr>
-            <a:r>
-              <a:rPr lang="en-US" sz="1400" dirty="0"/>
-              <a:t>Problems</a:t>
-            </a:r>
-          </a:p>
-          <a:p>
-            <a:pPr marL="228522" indent="-228522">
-              <a:buAutoNum type="arabicPeriod"/>
-            </a:pPr>
-            <a:r>
-              <a:rPr lang="en-US" sz="1400" dirty="0"/>
-              <a:t>Implications</a:t>
-            </a:r>
-          </a:p>
-          <a:p>
-            <a:pPr marL="228522" indent="-228522">
-              <a:buAutoNum type="arabicPeriod"/>
-            </a:pPr>
-            <a:r>
-              <a:rPr lang="en-US" sz="1400" dirty="0"/>
-              <a:t>Needs Analysis</a:t>
-            </a:r>
           </a:p>
           <a:p>
             <a:endParaRPr lang="en-US" sz="1400" dirty="0"/>
@@ -1620,34 +1584,6 @@
           <a:p>
             <a:endParaRPr lang="en-US" sz="1400" dirty="0"/>
           </a:p>
-          <a:p>
-            <a:r>
-              <a:rPr lang="en-US" sz="1400" b="1" dirty="0"/>
-              <a:t>Summary:   </a:t>
-            </a:r>
-          </a:p>
-          <a:p>
-            <a:r>
-              <a:rPr lang="en-US" sz="1400" u="sng" dirty="0"/>
-              <a:t>You can know that you know the Lord </a:t>
-            </a:r>
-            <a:r>
-              <a:rPr lang="en-US" sz="1400" dirty="0"/>
-              <a:t>when your heart has been changed by Him, when you have come to Him through faith in Jesus Christ, when your life exhibits loving obedience to His commands, and when the Holy Spirit is actively at work within you. This inward transformation, evidenced in loving God and others, marks the reality of the relationship promised in Jeremiah’s prophecy of the new covenant.</a:t>
-            </a:r>
-          </a:p>
-          <a:p>
-            <a:endParaRPr lang="en-US" sz="1400" dirty="0"/>
-          </a:p>
-          <a:p>
-            <a:endParaRPr lang="en-US" sz="1400" dirty="0"/>
-          </a:p>
-          <a:p>
-            <a:endParaRPr lang="en-US" dirty="0"/>
-          </a:p>
-          <a:p>
-            <a:endParaRPr lang="en-US" dirty="0"/>
-          </a:p>
         </p:txBody>
       </p:sp>
       <p:sp>
@@ -1997,15 +1933,6 @@
             <a:normAutofit fontScale="47500" lnSpcReduction="20000"/>
           </a:bodyPr>
           <a:lstStyle/>
-          <a:p>
-            <a:pPr defTabSz="914092">
-              <a:defRPr/>
-            </a:pPr>
-            <a:r>
-              <a:rPr lang="en-US" sz="1400" dirty="0"/>
-              <a:t>Procedural Steps:</a:t>
-            </a:r>
-          </a:p>
           <a:p>
             <a:pPr defTabSz="914092">
               <a:defRPr/>
